--- a/compose15.pptx
+++ b/compose15.pptx
@@ -211,7 +211,7 @@
             <a:fld id="{391D1150-2422-764B-B60D-0085F461CDE1}" type="datetimeFigureOut">
               <a:rPr lang="en-US" smtClean="0"/>
               <a:pPr/>
-              <a:t>1/28/15</a:t>
+              <a:t>1/30/15</a:t>
             </a:fld>
             <a:endParaRPr lang="en-US"/>
           </a:p>
@@ -749,7 +749,7 @@
             <a:fld id="{B385A6B8-0C62-B145-9C56-3118962DF2D2}" type="datetimeFigureOut">
               <a:rPr lang="en-US" smtClean="0"/>
               <a:pPr/>
-              <a:t>1/28/15</a:t>
+              <a:t>1/30/15</a:t>
             </a:fld>
             <a:endParaRPr lang="en-US"/>
           </a:p>
@@ -928,7 +928,7 @@
             <a:fld id="{B385A6B8-0C62-B145-9C56-3118962DF2D2}" type="datetimeFigureOut">
               <a:rPr lang="en-US" smtClean="0"/>
               <a:pPr/>
-              <a:t>1/28/15</a:t>
+              <a:t>1/30/15</a:t>
             </a:fld>
             <a:endParaRPr lang="en-US"/>
           </a:p>
@@ -1113,7 +1113,7 @@
             <a:fld id="{B385A6B8-0C62-B145-9C56-3118962DF2D2}" type="datetimeFigureOut">
               <a:rPr lang="en-US" smtClean="0"/>
               <a:pPr/>
-              <a:t>1/28/15</a:t>
+              <a:t>1/30/15</a:t>
             </a:fld>
             <a:endParaRPr lang="en-US"/>
           </a:p>
@@ -1273,7 +1273,7 @@
             <a:fld id="{B385A6B8-0C62-B145-9C56-3118962DF2D2}" type="datetimeFigureOut">
               <a:rPr lang="en-US" smtClean="0"/>
               <a:pPr/>
-              <a:t>1/28/15</a:t>
+              <a:t>1/30/15</a:t>
             </a:fld>
             <a:endParaRPr lang="en-US"/>
           </a:p>
@@ -1466,7 +1466,7 @@
             <a:fld id="{B385A6B8-0C62-B145-9C56-3118962DF2D2}" type="datetimeFigureOut">
               <a:rPr lang="en-US" smtClean="0"/>
               <a:pPr/>
-              <a:t>1/28/15</a:t>
+              <a:t>1/30/15</a:t>
             </a:fld>
             <a:endParaRPr lang="en-US"/>
           </a:p>
@@ -1717,7 +1717,7 @@
             <a:fld id="{B385A6B8-0C62-B145-9C56-3118962DF2D2}" type="datetimeFigureOut">
               <a:rPr lang="en-US" smtClean="0"/>
               <a:pPr/>
-              <a:t>1/28/15</a:t>
+              <a:t>1/30/15</a:t>
             </a:fld>
             <a:endParaRPr lang="en-US"/>
           </a:p>
@@ -2010,7 +2010,7 @@
             <a:fld id="{B385A6B8-0C62-B145-9C56-3118962DF2D2}" type="datetimeFigureOut">
               <a:rPr lang="en-US" smtClean="0"/>
               <a:pPr/>
-              <a:t>1/28/15</a:t>
+              <a:t>1/30/15</a:t>
             </a:fld>
             <a:endParaRPr lang="en-US"/>
           </a:p>
@@ -2437,7 +2437,7 @@
             <a:fld id="{B385A6B8-0C62-B145-9C56-3118962DF2D2}" type="datetimeFigureOut">
               <a:rPr lang="en-US" smtClean="0"/>
               <a:pPr/>
-              <a:t>1/28/15</a:t>
+              <a:t>1/30/15</a:t>
             </a:fld>
             <a:endParaRPr lang="en-US"/>
           </a:p>
@@ -2560,7 +2560,7 @@
             <a:fld id="{B385A6B8-0C62-B145-9C56-3118962DF2D2}" type="datetimeFigureOut">
               <a:rPr lang="en-US" smtClean="0"/>
               <a:pPr/>
-              <a:t>1/28/15</a:t>
+              <a:t>1/30/15</a:t>
             </a:fld>
             <a:endParaRPr lang="en-US"/>
           </a:p>
@@ -2660,7 +2660,7 @@
             <a:fld id="{B385A6B8-0C62-B145-9C56-3118962DF2D2}" type="datetimeFigureOut">
               <a:rPr lang="en-US" smtClean="0"/>
               <a:pPr/>
-              <a:t>1/28/15</a:t>
+              <a:t>1/30/15</a:t>
             </a:fld>
             <a:endParaRPr lang="en-US"/>
           </a:p>
@@ -2942,7 +2942,7 @@
             <a:fld id="{B385A6B8-0C62-B145-9C56-3118962DF2D2}" type="datetimeFigureOut">
               <a:rPr lang="en-US" smtClean="0"/>
               <a:pPr/>
-              <a:t>1/28/15</a:t>
+              <a:t>1/30/15</a:t>
             </a:fld>
             <a:endParaRPr lang="en-US"/>
           </a:p>
@@ -3204,7 +3204,7 @@
             <a:fld id="{B385A6B8-0C62-B145-9C56-3118962DF2D2}" type="datetimeFigureOut">
               <a:rPr lang="en-US" smtClean="0"/>
               <a:pPr/>
-              <a:t>1/28/15</a:t>
+              <a:t>1/30/15</a:t>
             </a:fld>
             <a:endParaRPr lang="en-US"/>
           </a:p>
@@ -3769,20 +3769,12 @@
           <a:lstStyle/>
           <a:p>
             <a:r>
-              <a:rPr lang="en-US" dirty="0" smtClean="0"/>
+              <a:rPr lang="en-US" smtClean="0"/>
               <a:t>Dependent </a:t>
             </a:r>
             <a:r>
-              <a:rPr lang="en-US" dirty="0" smtClean="0"/>
-              <a:t>Type</a:t>
-            </a:r>
-            <a:r>
-              <a:rPr lang="en-US" dirty="0" smtClean="0"/>
-              <a:t>s in</a:t>
-            </a:r>
-            <a:r>
-              <a:rPr lang="en-US" dirty="0" smtClean="0"/>
-              <a:t> Practice</a:t>
+              <a:rPr lang="en-US" smtClean="0"/>
+              <a:t>Types</a:t>
             </a:r>
             <a:endParaRPr lang="en-US" dirty="0"/>
           </a:p>
@@ -4103,7 +4095,7 @@
         </p:nvGrpSpPr>
         <p:grpSpPr>
           <a:xfrm>
-            <a:off x="5080229" y="1418614"/>
+            <a:off x="4998299" y="1432269"/>
             <a:ext cx="3606571" cy="1431681"/>
             <a:chOff x="5080229" y="1418614"/>
             <a:chExt cx="3606571" cy="1431681"/>
@@ -4227,15 +4219,7 @@
             </a:pPr>
             <a:r>
               <a:rPr lang="en-US" sz="2400" dirty="0" smtClean="0"/>
-              <a:t>How </a:t>
-            </a:r>
-            <a:r>
-              <a:rPr lang="en-US" sz="2400" dirty="0" smtClean="0"/>
-              <a:t>do we divide computational arguments from</a:t>
-            </a:r>
-            <a:r>
-              <a:rPr lang="en-US" sz="2400" dirty="0" smtClean="0"/>
-              <a:t> </a:t>
+              <a:t>How do we divide computational arguments from </a:t>
             </a:r>
             <a:r>
               <a:rPr lang="en-US" sz="2400" dirty="0" err="1" smtClean="0"/>
@@ -4243,11 +4227,7 @@
             </a:r>
             <a:r>
               <a:rPr lang="en-US" sz="2400" dirty="0" smtClean="0"/>
-              <a:t> </a:t>
-            </a:r>
-            <a:r>
-              <a:rPr lang="en-US" sz="2400" dirty="0" smtClean="0"/>
-              <a:t>arguments?</a:t>
+              <a:t> arguments?</a:t>
             </a:r>
           </a:p>
           <a:p>
@@ -4277,6 +4257,7 @@
               <a:rPr lang="en-US" sz="2400" dirty="0" smtClean="0"/>
               <a:t>  GHC (and many others) – syntactically distinguish them</a:t>
             </a:r>
+            <a:endParaRPr lang="en-US" sz="2400" dirty="0" smtClean="0"/>
           </a:p>
           <a:p>
             <a:pPr lvl="1">
@@ -4285,15 +4266,7 @@
             </a:pPr>
             <a:r>
               <a:rPr lang="en-US" sz="2400" dirty="0" smtClean="0"/>
-              <a:t>  pi-</a:t>
-            </a:r>
-            <a:r>
-              <a:rPr lang="en-US" sz="2400" dirty="0" err="1" smtClean="0"/>
-              <a:t>forall</a:t>
-            </a:r>
-            <a:r>
-              <a:rPr lang="en-US" sz="2400" dirty="0" smtClean="0"/>
-              <a:t>, ICC* (and others) – type system marks irrelevance</a:t>
+              <a:t>  Coq – type system sort distinction (Prop / Set)</a:t>
             </a:r>
           </a:p>
           <a:p>
@@ -4303,8 +4276,21 @@
             </a:pPr>
             <a:r>
               <a:rPr lang="en-US" sz="2400" dirty="0" smtClean="0"/>
-              <a:t>  Coq – type system sort distinction (Prop / Set)</a:t>
-            </a:r>
+              <a:t>  </a:t>
+            </a:r>
+            <a:r>
+              <a:rPr lang="en-US" sz="2400" dirty="0" smtClean="0"/>
+              <a:t>pi-</a:t>
+            </a:r>
+            <a:r>
+              <a:rPr lang="en-US" sz="2400" dirty="0" err="1" smtClean="0"/>
+              <a:t>forall</a:t>
+            </a:r>
+            <a:r>
+              <a:rPr lang="en-US" sz="2400" dirty="0" smtClean="0"/>
+              <a:t>, ICC* (and others) – type system marks irrelevance</a:t>
+            </a:r>
+            <a:endParaRPr lang="en-US" sz="2400" dirty="0" smtClean="0"/>
           </a:p>
           <a:p>
             <a:r>
@@ -4764,22 +4750,14 @@
           <a:p>
             <a:r>
               <a:rPr lang="en-US" dirty="0" smtClean="0"/>
-              <a:t>What to do</a:t>
-            </a:r>
-            <a:r>
-              <a:rPr lang="en-US" dirty="0" smtClean="0"/>
-              <a:t>?</a:t>
+              <a:t>What to do?</a:t>
             </a:r>
           </a:p>
           <a:p>
             <a:pPr lvl="1"/>
             <a:r>
               <a:rPr lang="en-US" sz="2400" dirty="0" smtClean="0"/>
-              <a:t>Require proofs to be values</a:t>
-            </a:r>
-            <a:r>
-              <a:rPr lang="en-US" sz="2400" dirty="0" smtClean="0"/>
-              <a:t> (Haskell, Cayenne)</a:t>
+              <a:t>Require proofs to be values (Haskell, Cayenne)</a:t>
             </a:r>
           </a:p>
           <a:p>
@@ -4805,11 +4783,7 @@
             <a:pPr lvl="1"/>
             <a:r>
               <a:rPr lang="en-US" sz="2400" dirty="0" smtClean="0"/>
-              <a:t>Partial type theories </a:t>
-            </a:r>
-            <a:r>
-              <a:rPr lang="en-US" sz="2400" dirty="0" smtClean="0"/>
-              <a:t>(</a:t>
+              <a:t>Partial type theories (</a:t>
             </a:r>
             <a:r>
               <a:rPr lang="en-US" sz="2400" dirty="0" err="1" smtClean="0"/>
@@ -5488,34 +5462,20 @@
               <a:rPr lang="en-US" dirty="0" smtClean="0"/>
               <a:t>) = plus</a:t>
             </a:r>
-            <a:endParaRPr lang="en-US" dirty="0" smtClean="0"/>
           </a:p>
           <a:p>
             <a:pPr lvl="1"/>
             <a:r>
               <a:rPr lang="en-US" dirty="0" smtClean="0"/>
-              <a:t>When </a:t>
-            </a:r>
+              <a:t>When their relevant parts are equal?</a:t>
+            </a:r>
+          </a:p>
+          <a:p>
+            <a:pPr lvl="1"/>
             <a:r>
               <a:rPr lang="en-US" dirty="0" smtClean="0"/>
-              <a:t>their relevant parts are equal?</a:t>
-            </a:r>
-          </a:p>
-          <a:p>
-            <a:pPr lvl="1"/>
-            <a:r>
-              <a:rPr lang="en-US" dirty="0" smtClean="0"/>
-              <a:t>When they are </a:t>
-            </a:r>
-            <a:r>
-              <a:rPr lang="en-US" dirty="0" smtClean="0"/>
-              <a:t>provably </a:t>
-            </a:r>
-            <a:r>
-              <a:rPr lang="en-US" dirty="0" smtClean="0"/>
-              <a:t>equal?</a:t>
-            </a:r>
-            <a:endParaRPr lang="en-US" dirty="0" smtClean="0"/>
+              <a:t>When they are provably equal?</a:t>
+            </a:r>
           </a:p>
           <a:p>
             <a:pPr lvl="1"/>
@@ -7038,7 +6998,19 @@
             <a:pPr lvl="1"/>
             <a:r>
               <a:rPr lang="en-US" sz="2400" dirty="0" smtClean="0"/>
-              <a:t>Andrej Bauer, How to implement dependent type theory</a:t>
+              <a:t>Andrej Bauer,</a:t>
+            </a:r>
+            <a:r>
+              <a:rPr lang="en-US" sz="2400" dirty="0" smtClean="0"/>
+              <a:t> “How </a:t>
+            </a:r>
+            <a:r>
+              <a:rPr lang="en-US" sz="2400" dirty="0" smtClean="0"/>
+              <a:t>to implement dependent type </a:t>
+            </a:r>
+            <a:r>
+              <a:rPr lang="en-US" sz="2400" dirty="0" smtClean="0"/>
+              <a:t>theory”</a:t>
             </a:r>
           </a:p>
           <a:p>
@@ -7493,11 +7465,7 @@
           <a:p>
             <a:r>
               <a:rPr lang="en-US" dirty="0" smtClean="0"/>
-              <a:t>GHC: Flow </a:t>
-            </a:r>
-            <a:r>
-              <a:rPr lang="en-US" dirty="0" smtClean="0"/>
-              <a:t>sensitive typing</a:t>
+              <a:t>GHC: Flow sensitive typing</a:t>
             </a:r>
             <a:endParaRPr lang="en-US" dirty="0"/>
           </a:p>
@@ -10092,11 +10060,7 @@
           <a:p>
             <a:r>
               <a:rPr lang="en-US" dirty="0" smtClean="0"/>
-              <a:t>Talk </a:t>
-            </a:r>
-            <a:r>
-              <a:rPr lang="en-US" dirty="0" smtClean="0"/>
-              <a:t>Plan</a:t>
+              <a:t>Talk Plan</a:t>
             </a:r>
             <a:endParaRPr lang="en-US" dirty="0"/>
           </a:p>
@@ -10114,42 +10078,60 @@
         </p:nvSpPr>
         <p:spPr/>
         <p:txBody>
-          <a:bodyPr/>
+          <a:bodyPr>
+            <a:noAutofit/>
+          </a:bodyPr>
           <a:lstStyle/>
           <a:p>
             <a:r>
-              <a:rPr lang="en-US" dirty="0" smtClean="0"/>
-              <a:t>Part 1: What is dependent type theory all about?</a:t>
+              <a:rPr lang="en-US" sz="2800" dirty="0" smtClean="0"/>
+              <a:t>Part 1: What</a:t>
+            </a:r>
+            <a:r>
+              <a:rPr lang="en-US" sz="2800" dirty="0" smtClean="0"/>
+              <a:t> </a:t>
+            </a:r>
+            <a:r>
+              <a:rPr lang="en-US" sz="2800" dirty="0" smtClean="0"/>
+              <a:t>are</a:t>
+            </a:r>
+            <a:r>
+              <a:rPr lang="en-US" sz="2800" dirty="0" smtClean="0"/>
+              <a:t> </a:t>
+            </a:r>
+            <a:r>
+              <a:rPr lang="en-US" sz="2800" dirty="0" smtClean="0"/>
+              <a:t>dependent </a:t>
+            </a:r>
+            <a:r>
+              <a:rPr lang="en-US" sz="2800" dirty="0" smtClean="0"/>
+              <a:t>types </a:t>
+            </a:r>
+            <a:r>
+              <a:rPr lang="en-US" sz="2800" dirty="0" smtClean="0"/>
+              <a:t>all about?</a:t>
             </a:r>
           </a:p>
           <a:p>
             <a:pPr lvl="1"/>
             <a:r>
-              <a:rPr lang="en-US" dirty="0" smtClean="0"/>
-              <a:t>Examples</a:t>
-            </a:r>
-            <a:r>
-              <a:rPr lang="en-US" dirty="0" smtClean="0"/>
-              <a:t> of and </a:t>
-            </a:r>
-            <a:r>
-              <a:rPr lang="en-US" dirty="0" smtClean="0"/>
-              <a:t>motivation for dependently-typed programming</a:t>
+              <a:rPr lang="en-US" sz="2400" dirty="0" smtClean="0"/>
+              <a:t>Examples of and motivation for dependently-typed programming</a:t>
             </a:r>
           </a:p>
           <a:p>
             <a:pPr lvl="1"/>
             <a:r>
-              <a:rPr lang="en-US" dirty="0" smtClean="0"/>
+              <a:rPr lang="en-US" sz="2400" dirty="0" smtClean="0"/>
               <a:t>Overview of current research topics, projects and directions</a:t>
             </a:r>
           </a:p>
           <a:p>
-            <a:endParaRPr lang="en-US" dirty="0" smtClean="0"/>
-          </a:p>
-          <a:p>
-            <a:r>
-              <a:rPr lang="en-US" dirty="0" smtClean="0"/>
+            <a:endParaRPr lang="en-US" sz="2800" dirty="0" smtClean="0"/>
+          </a:p>
+          <a:p>
+            <a:r>
+              <a:rPr lang="en-US" sz="2800" dirty="0" smtClean="0"/>
               <a:t>10-min Break</a:t>
             </a:r>
           </a:p>
@@ -10157,64 +10139,60 @@
             <a:pPr lvl="1">
               <a:buNone/>
             </a:pPr>
-            <a:endParaRPr lang="en-US" dirty="0" smtClean="0"/>
-          </a:p>
-          <a:p>
-            <a:r>
-              <a:rPr lang="en-US" dirty="0" smtClean="0"/>
+            <a:endParaRPr lang="en-US" sz="2400" dirty="0" smtClean="0"/>
+          </a:p>
+          <a:p>
+            <a:r>
+              <a:rPr lang="en-US" sz="2800" dirty="0" smtClean="0"/>
               <a:t>Part 2: How do you implement a type checker for a dependently-typed language?</a:t>
             </a:r>
           </a:p>
           <a:p>
             <a:pPr lvl="1"/>
             <a:r>
-              <a:rPr lang="en-US" dirty="0" smtClean="0"/>
+              <a:rPr lang="en-US" sz="2400" dirty="0" smtClean="0"/>
               <a:t>Play along: </a:t>
             </a:r>
             <a:r>
-              <a:rPr lang="en-US" dirty="0" err="1" smtClean="0"/>
+              <a:rPr lang="en-US" sz="2400" dirty="0" err="1" smtClean="0"/>
               <a:t>https://github.com/sweirich/pi-forall</a:t>
             </a:r>
-            <a:endParaRPr lang="en-US" dirty="0" smtClean="0"/>
+            <a:endParaRPr lang="en-US" sz="2400" dirty="0" smtClean="0"/>
           </a:p>
           <a:p>
             <a:pPr lvl="1"/>
             <a:r>
-              <a:rPr lang="en-US" dirty="0" smtClean="0"/>
+              <a:rPr lang="en-US" sz="2400" dirty="0" smtClean="0"/>
               <a:t>Caveat: pi-</a:t>
             </a:r>
             <a:r>
-              <a:rPr lang="en-US" dirty="0" err="1" smtClean="0"/>
+              <a:rPr lang="en-US" sz="2400" dirty="0" err="1" smtClean="0"/>
               <a:t>forall</a:t>
             </a:r>
             <a:r>
-              <a:rPr lang="en-US" dirty="0" smtClean="0"/>
-              <a:t> is missing many important </a:t>
-            </a:r>
-            <a:r>
-              <a:rPr lang="en-US" dirty="0" smtClean="0"/>
-              <a:t>features</a:t>
+              <a:rPr lang="en-US" sz="2400" dirty="0" smtClean="0"/>
+              <a:t> is missing many important features</a:t>
             </a:r>
           </a:p>
           <a:p>
             <a:pPr lvl="1">
               <a:buNone/>
             </a:pPr>
-            <a:endParaRPr lang="en-US" dirty="0" smtClean="0"/>
+            <a:endParaRPr lang="en-US" sz="2400" dirty="0" smtClean="0"/>
           </a:p>
           <a:p>
             <a:pPr lvl="1">
               <a:buNone/>
             </a:pPr>
-            <a:endParaRPr lang="en-US" dirty="0" smtClean="0"/>
+            <a:endParaRPr lang="en-US" sz="2400" dirty="0" smtClean="0"/>
           </a:p>
           <a:p>
             <a:pPr lvl="1"/>
-            <a:endParaRPr lang="en-US" dirty="0" smtClean="0"/>
+            <a:endParaRPr lang="en-US" sz="2400" dirty="0" smtClean="0"/>
           </a:p>
           <a:p>
             <a:pPr lvl="1"/>
-            <a:endParaRPr lang="en-US" dirty="0"/>
+            <a:endParaRPr lang="en-US" sz="2400" dirty="0"/>
           </a:p>
         </p:txBody>
       </p:sp>
@@ -10226,7 +10204,7 @@
         </p:nvSpPr>
         <p:spPr>
           <a:xfrm>
-            <a:off x="5909415" y="2485990"/>
+            <a:off x="4270767" y="3429000"/>
             <a:ext cx="1925608" cy="1077218"/>
           </a:xfrm>
           <a:prstGeom prst="rect">
@@ -10277,7 +10255,7 @@
         </p:nvSpPr>
         <p:spPr>
           <a:xfrm>
-            <a:off x="6763130" y="4176945"/>
+            <a:off x="7582455" y="5284313"/>
             <a:ext cx="1283607" cy="848972"/>
           </a:xfrm>
           <a:prstGeom prst="rect">
@@ -10324,28 +10302,7 @@
                 <a:latin typeface="Georgia"/>
                 <a:cs typeface="Georgia"/>
               </a:rPr>
-              <a:t>Π</a:t>
-            </a:r>
-            <a:r>
-              <a:rPr lang="en-US" sz="4800" dirty="0" smtClean="0">
-                <a:ln>
-                  <a:solidFill>
-                    <a:srgbClr val="878787"/>
-                  </a:solidFill>
-                </a:ln>
-                <a:effectLst>
-                  <a:glow rad="101600">
-                    <a:schemeClr val="accent5">
-                      <a:lumMod val="20000"/>
-                      <a:lumOff val="80000"/>
-                      <a:alpha val="75000"/>
-                    </a:schemeClr>
-                  </a:glow>
-                </a:effectLst>
-                <a:latin typeface="Georgia"/>
-                <a:cs typeface="Georgia"/>
-              </a:rPr>
-              <a:t>∀</a:t>
+              <a:t>Π∀</a:t>
             </a:r>
             <a:endParaRPr lang="en-US" sz="4800" dirty="0">
               <a:ln>
@@ -12754,7 +12711,21 @@
                 <a:latin typeface="Courier"/>
                 <a:cs typeface="Courier"/>
               </a:rPr>
-              <a:t>head : [A :Type] -&gt; [</a:t>
+              <a:t>head : [A </a:t>
+            </a:r>
+            <a:r>
+              <a:rPr lang="en-US" sz="2162" dirty="0" smtClean="0">
+                <a:latin typeface="Courier"/>
+                <a:cs typeface="Courier"/>
+              </a:rPr>
+              <a:t>: Type</a:t>
+            </a:r>
+            <a:r>
+              <a:rPr lang="en-US" sz="2162" dirty="0" smtClean="0">
+                <a:latin typeface="Courier"/>
+                <a:cs typeface="Courier"/>
+              </a:rPr>
+              <a:t>] -&gt; [</a:t>
             </a:r>
             <a:r>
               <a:rPr lang="en-US" sz="2162" dirty="0" err="1" smtClean="0">
@@ -12951,17 +12922,7 @@
                 <a:latin typeface="Courier"/>
                 <a:cs typeface="Courier"/>
               </a:rPr>
-              <a:t>-- Nil case is </a:t>
-            </a:r>
-            <a:r>
-              <a:rPr lang="en-US" sz="2162" dirty="0" smtClean="0">
-                <a:solidFill>
-                  <a:srgbClr val="FF0000"/>
-                </a:solidFill>
-                <a:latin typeface="Courier"/>
-                <a:cs typeface="Courier"/>
-              </a:rPr>
-              <a:t>impossible, because Zero /= </a:t>
+              <a:t>-- Nil case is impossible, because Zero /= </a:t>
             </a:r>
             <a:r>
               <a:rPr lang="en-US" sz="2162" dirty="0" err="1" smtClean="0">
@@ -13495,23 +13456,19 @@
               <a:rPr lang="en-US" dirty="0" smtClean="0"/>
               <a:t>IDE support: view development as interactive</a:t>
             </a:r>
+            <a:endParaRPr lang="en-US" dirty="0" smtClean="0"/>
           </a:p>
           <a:p>
             <a:pPr lvl="1"/>
             <a:r>
               <a:rPr lang="en-US" dirty="0" smtClean="0"/>
-              <a:t>Incremental development</a:t>
-            </a:r>
-          </a:p>
-          <a:p>
-            <a:pPr lvl="2"/>
-            <a:r>
-              <a:rPr lang="en-US" dirty="0" smtClean="0"/>
-              <a:t>Once you have stated a program property, why not use it for testing first? </a:t>
-            </a:r>
-          </a:p>
-          <a:p>
-            <a:pPr lvl="1"/>
+              <a:t>Integration with testing</a:t>
+            </a:r>
+          </a:p>
+          <a:p>
+            <a:pPr lvl="1">
+              <a:buNone/>
+            </a:pPr>
             <a:endParaRPr lang="en-US" dirty="0" smtClean="0"/>
           </a:p>
           <a:p>
@@ -13954,37 +13911,6 @@
                                           <p:spTgt spid="3">
                                             <p:txEl>
                                               <p:pRg st="8" end="8"/>
-                                            </p:txEl>
-                                          </p:spTgt>
-                                        </p:tgtEl>
-                                        <p:attrNameLst>
-                                          <p:attrName>style.visibility</p:attrName>
-                                        </p:attrNameLst>
-                                      </p:cBhvr>
-                                      <p:to>
-                                        <p:strVal val="visible"/>
-                                      </p:to>
-                                    </p:set>
-                                  </p:childTnLst>
-                                </p:cTn>
-                              </p:par>
-                              <p:par>
-                                <p:cTn id="39" presetID="1" presetClass="entr" presetSubtype="0" fill="hold" grpId="0" nodeType="withEffect">
-                                  <p:stCondLst>
-                                    <p:cond delay="0"/>
-                                  </p:stCondLst>
-                                  <p:childTnLst>
-                                    <p:set>
-                                      <p:cBhvr>
-                                        <p:cTn id="40" dur="1" fill="hold">
-                                          <p:stCondLst>
-                                            <p:cond delay="0"/>
-                                          </p:stCondLst>
-                                        </p:cTn>
-                                        <p:tgtEl>
-                                          <p:spTgt spid="3">
-                                            <p:txEl>
-                                              <p:pRg st="9" end="9"/>
                                             </p:txEl>
                                           </p:spTgt>
                                         </p:tgtEl>
